--- a/20. Modelo Conceitual de Negócio (Diagrama de Classes).pptx
+++ b/20. Modelo Conceitual de Negócio (Diagrama de Classes).pptx
@@ -116,8 +116,10 @@
 <p1510:revInfo xmlns:a="http://schemas.openxmlformats.org/drawingml/2006/main" xmlns:r="http://schemas.openxmlformats.org/officeDocument/2006/relationships" xmlns:p1510="http://schemas.microsoft.com/office/powerpoint/2015/10/main">
   <p1510:revLst>
     <p1510:client id="{04BF2C50-D7D2-473B-B9AA-4709CE8B87DE}" v="37" dt="2020-10-22T02:20:52.794"/>
+    <p1510:client id="{0D578093-3429-43E9-A7AC-D5724FD54D3E}" v="13" dt="2020-11-07T00:17:13.952"/>
     <p1510:client id="{2EF62CB2-46B5-4A23-97E6-AC18C6B51C20}" v="8" dt="2020-10-22T01:33:59.462"/>
     <p1510:client id="{82A67EC5-24DC-4894-981E-D20AA8A7E0BD}" v="7" dt="2020-10-16T23:04:39.421"/>
+    <p1510:client id="{AC642448-4DBC-4BF0-A256-8273E18E6DFD}" v="9" dt="2020-11-04T22:29:54.906"/>
     <p1510:client id="{CE70D4B8-483B-474F-9697-28281C885E92}" v="67" dt="2020-10-17T02:13:05.472"/>
     <p1510:client id="{E46D0210-DA51-4750-A351-A2E0598D929B}" v="37" dt="2020-10-17T01:15:26.689"/>
   </p1510:revLst>
@@ -153,6 +155,38 @@
             <pc:docMk/>
             <pc:sldMk cId="2210866551" sldId="256"/>
             <ac:picMk id="6" creationId="{2FE22206-39BE-461C-904D-DDE40471053A}"/>
+          </ac:picMkLst>
+        </pc:picChg>
+      </pc:sldChg>
+    </pc:docChg>
+  </pc:docChgLst>
+  <pc:docChgLst>
+    <pc:chgData name="Gabriel Casagrande" userId="e7a325a1baaa42ba" providerId="Windows Live" clId="Web-{AC642448-4DBC-4BF0-A256-8273E18E6DFD}"/>
+    <pc:docChg chg="modSld">
+      <pc:chgData name="Gabriel Casagrande" userId="e7a325a1baaa42ba" providerId="Windows Live" clId="Web-{AC642448-4DBC-4BF0-A256-8273E18E6DFD}" dt="2020-11-04T22:29:54.906" v="7" actId="14100"/>
+      <pc:docMkLst>
+        <pc:docMk/>
+      </pc:docMkLst>
+      <pc:sldChg chg="addSp delSp modSp">
+        <pc:chgData name="Gabriel Casagrande" userId="e7a325a1baaa42ba" providerId="Windows Live" clId="Web-{AC642448-4DBC-4BF0-A256-8273E18E6DFD}" dt="2020-11-04T22:29:54.906" v="7" actId="14100"/>
+        <pc:sldMkLst>
+          <pc:docMk/>
+          <pc:sldMk cId="2210866551" sldId="256"/>
+        </pc:sldMkLst>
+        <pc:picChg chg="add mod">
+          <ac:chgData name="Gabriel Casagrande" userId="e7a325a1baaa42ba" providerId="Windows Live" clId="Web-{AC642448-4DBC-4BF0-A256-8273E18E6DFD}" dt="2020-11-04T22:29:54.906" v="7" actId="14100"/>
+          <ac:picMkLst>
+            <pc:docMk/>
+            <pc:sldMk cId="2210866551" sldId="256"/>
+            <ac:picMk id="2" creationId="{E1C4E31C-4E2B-4499-9D40-05F322C515E1}"/>
+          </ac:picMkLst>
+        </pc:picChg>
+        <pc:picChg chg="del">
+          <ac:chgData name="Gabriel Casagrande" userId="e7a325a1baaa42ba" providerId="Windows Live" clId="Web-{AC642448-4DBC-4BF0-A256-8273E18E6DFD}" dt="2020-11-04T22:29:17.450" v="0"/>
+          <ac:picMkLst>
+            <pc:docMk/>
+            <pc:sldMk cId="2210866551" sldId="256"/>
+            <ac:picMk id="3" creationId="{B605D275-311A-41D9-859D-5AC47216FA0F}"/>
           </ac:picMkLst>
         </pc:picChg>
       </pc:sldChg>
@@ -373,6 +407,38 @@
     </pc:docChg>
   </pc:docChgLst>
   <pc:docChgLst>
+    <pc:chgData name="Gabriel Casagrande" userId="e7a325a1baaa42ba" providerId="Windows Live" clId="Web-{0D578093-3429-43E9-A7AC-D5724FD54D3E}"/>
+    <pc:docChg chg="modSld">
+      <pc:chgData name="Gabriel Casagrande" userId="e7a325a1baaa42ba" providerId="Windows Live" clId="Web-{0D578093-3429-43E9-A7AC-D5724FD54D3E}" dt="2020-11-07T00:17:13.937" v="11" actId="14100"/>
+      <pc:docMkLst>
+        <pc:docMk/>
+      </pc:docMkLst>
+      <pc:sldChg chg="addSp delSp modSp">
+        <pc:chgData name="Gabriel Casagrande" userId="e7a325a1baaa42ba" providerId="Windows Live" clId="Web-{0D578093-3429-43E9-A7AC-D5724FD54D3E}" dt="2020-11-07T00:17:13.937" v="11" actId="14100"/>
+        <pc:sldMkLst>
+          <pc:docMk/>
+          <pc:sldMk cId="2210866551" sldId="256"/>
+        </pc:sldMkLst>
+        <pc:picChg chg="del">
+          <ac:chgData name="Gabriel Casagrande" userId="e7a325a1baaa42ba" providerId="Windows Live" clId="Web-{0D578093-3429-43E9-A7AC-D5724FD54D3E}" dt="2020-11-07T00:16:18.218" v="0"/>
+          <ac:picMkLst>
+            <pc:docMk/>
+            <pc:sldMk cId="2210866551" sldId="256"/>
+            <ac:picMk id="2" creationId="{E1C4E31C-4E2B-4499-9D40-05F322C515E1}"/>
+          </ac:picMkLst>
+        </pc:picChg>
+        <pc:picChg chg="add mod">
+          <ac:chgData name="Gabriel Casagrande" userId="e7a325a1baaa42ba" providerId="Windows Live" clId="Web-{0D578093-3429-43E9-A7AC-D5724FD54D3E}" dt="2020-11-07T00:17:13.937" v="11" actId="14100"/>
+          <ac:picMkLst>
+            <pc:docMk/>
+            <pc:sldMk cId="2210866551" sldId="256"/>
+            <ac:picMk id="3" creationId="{74ED63E6-1E1B-4151-ABA2-DF47FD3BA0C6}"/>
+          </ac:picMkLst>
+        </pc:picChg>
+      </pc:sldChg>
+    </pc:docChg>
+  </pc:docChgLst>
+  <pc:docChgLst>
     <pc:chgData clId="Web-{2EF62CB2-46B5-4A23-97E6-AC18C6B51C20}"/>
     <pc:docChg chg="delSld">
       <pc:chgData name="" userId="" providerId="" clId="Web-{2EF62CB2-46B5-4A23-97E6-AC18C6B51C20}" dt="2020-10-22T01:33:24.728" v="0"/>
@@ -522,7 +588,7 @@
           <a:p>
             <a:fld id="{F0E51C7C-CEA3-4CAA-BE4B-344879E7C377}" type="datetimeFigureOut">
               <a:rPr lang="de-DE" smtClean="0"/>
-              <a:t>21.10.2020</a:t>
+              <a:t>06.11.2020</a:t>
             </a:fld>
             <a:endParaRPr lang="de-DE"/>
           </a:p>
@@ -564,7 +630,7 @@
           <a:p>
             <a:fld id="{754FE2FE-B55E-4328-8F5C-2CEB8781A47B}" type="slidenum">
               <a:rPr lang="de-DE" smtClean="0"/>
-              <a:t>‹nº›</a:t>
+              <a:t>‹#›</a:t>
             </a:fld>
             <a:endParaRPr lang="de-DE"/>
           </a:p>
@@ -692,7 +758,7 @@
           <a:p>
             <a:fld id="{F0E51C7C-CEA3-4CAA-BE4B-344879E7C377}" type="datetimeFigureOut">
               <a:rPr lang="de-DE" smtClean="0"/>
-              <a:t>21.10.2020</a:t>
+              <a:t>06.11.2020</a:t>
             </a:fld>
             <a:endParaRPr lang="de-DE"/>
           </a:p>
@@ -734,7 +800,7 @@
           <a:p>
             <a:fld id="{754FE2FE-B55E-4328-8F5C-2CEB8781A47B}" type="slidenum">
               <a:rPr lang="de-DE" smtClean="0"/>
-              <a:t>‹nº›</a:t>
+              <a:t>‹#›</a:t>
             </a:fld>
             <a:endParaRPr lang="de-DE"/>
           </a:p>
@@ -872,7 +938,7 @@
           <a:p>
             <a:fld id="{F0E51C7C-CEA3-4CAA-BE4B-344879E7C377}" type="datetimeFigureOut">
               <a:rPr lang="de-DE" smtClean="0"/>
-              <a:t>21.10.2020</a:t>
+              <a:t>06.11.2020</a:t>
             </a:fld>
             <a:endParaRPr lang="de-DE"/>
           </a:p>
@@ -914,7 +980,7 @@
           <a:p>
             <a:fld id="{754FE2FE-B55E-4328-8F5C-2CEB8781A47B}" type="slidenum">
               <a:rPr lang="de-DE" smtClean="0"/>
-              <a:t>‹nº›</a:t>
+              <a:t>‹#›</a:t>
             </a:fld>
             <a:endParaRPr lang="de-DE"/>
           </a:p>
@@ -1042,7 +1108,7 @@
           <a:p>
             <a:fld id="{F0E51C7C-CEA3-4CAA-BE4B-344879E7C377}" type="datetimeFigureOut">
               <a:rPr lang="de-DE" smtClean="0"/>
-              <a:t>21.10.2020</a:t>
+              <a:t>06.11.2020</a:t>
             </a:fld>
             <a:endParaRPr lang="de-DE"/>
           </a:p>
@@ -1084,7 +1150,7 @@
           <a:p>
             <a:fld id="{754FE2FE-B55E-4328-8F5C-2CEB8781A47B}" type="slidenum">
               <a:rPr lang="de-DE" smtClean="0"/>
-              <a:t>‹nº›</a:t>
+              <a:t>‹#›</a:t>
             </a:fld>
             <a:endParaRPr lang="de-DE"/>
           </a:p>
@@ -1288,7 +1354,7 @@
           <a:p>
             <a:fld id="{F0E51C7C-CEA3-4CAA-BE4B-344879E7C377}" type="datetimeFigureOut">
               <a:rPr lang="de-DE" smtClean="0"/>
-              <a:t>21.10.2020</a:t>
+              <a:t>06.11.2020</a:t>
             </a:fld>
             <a:endParaRPr lang="de-DE"/>
           </a:p>
@@ -1330,7 +1396,7 @@
           <a:p>
             <a:fld id="{754FE2FE-B55E-4328-8F5C-2CEB8781A47B}" type="slidenum">
               <a:rPr lang="de-DE" smtClean="0"/>
-              <a:t>‹nº›</a:t>
+              <a:t>‹#›</a:t>
             </a:fld>
             <a:endParaRPr lang="de-DE"/>
           </a:p>
@@ -1520,7 +1586,7 @@
           <a:p>
             <a:fld id="{F0E51C7C-CEA3-4CAA-BE4B-344879E7C377}" type="datetimeFigureOut">
               <a:rPr lang="de-DE" smtClean="0"/>
-              <a:t>21.10.2020</a:t>
+              <a:t>06.11.2020</a:t>
             </a:fld>
             <a:endParaRPr lang="de-DE"/>
           </a:p>
@@ -1562,7 +1628,7 @@
           <a:p>
             <a:fld id="{754FE2FE-B55E-4328-8F5C-2CEB8781A47B}" type="slidenum">
               <a:rPr lang="de-DE" smtClean="0"/>
-              <a:t>‹nº›</a:t>
+              <a:t>‹#›</a:t>
             </a:fld>
             <a:endParaRPr lang="de-DE"/>
           </a:p>
@@ -1887,7 +1953,7 @@
           <a:p>
             <a:fld id="{F0E51C7C-CEA3-4CAA-BE4B-344879E7C377}" type="datetimeFigureOut">
               <a:rPr lang="de-DE" smtClean="0"/>
-              <a:t>21.10.2020</a:t>
+              <a:t>06.11.2020</a:t>
             </a:fld>
             <a:endParaRPr lang="de-DE"/>
           </a:p>
@@ -1929,7 +1995,7 @@
           <a:p>
             <a:fld id="{754FE2FE-B55E-4328-8F5C-2CEB8781A47B}" type="slidenum">
               <a:rPr lang="de-DE" smtClean="0"/>
-              <a:t>‹nº›</a:t>
+              <a:t>‹#›</a:t>
             </a:fld>
             <a:endParaRPr lang="de-DE"/>
           </a:p>
@@ -2005,7 +2071,7 @@
           <a:p>
             <a:fld id="{F0E51C7C-CEA3-4CAA-BE4B-344879E7C377}" type="datetimeFigureOut">
               <a:rPr lang="de-DE" smtClean="0"/>
-              <a:t>21.10.2020</a:t>
+              <a:t>06.11.2020</a:t>
             </a:fld>
             <a:endParaRPr lang="de-DE"/>
           </a:p>
@@ -2047,7 +2113,7 @@
           <a:p>
             <a:fld id="{754FE2FE-B55E-4328-8F5C-2CEB8781A47B}" type="slidenum">
               <a:rPr lang="de-DE" smtClean="0"/>
-              <a:t>‹nº›</a:t>
+              <a:t>‹#›</a:t>
             </a:fld>
             <a:endParaRPr lang="de-DE"/>
           </a:p>
@@ -2100,7 +2166,7 @@
           <a:p>
             <a:fld id="{F0E51C7C-CEA3-4CAA-BE4B-344879E7C377}" type="datetimeFigureOut">
               <a:rPr lang="de-DE" smtClean="0"/>
-              <a:t>21.10.2020</a:t>
+              <a:t>06.11.2020</a:t>
             </a:fld>
             <a:endParaRPr lang="de-DE"/>
           </a:p>
@@ -2142,7 +2208,7 @@
           <a:p>
             <a:fld id="{754FE2FE-B55E-4328-8F5C-2CEB8781A47B}" type="slidenum">
               <a:rPr lang="de-DE" smtClean="0"/>
-              <a:t>‹nº›</a:t>
+              <a:t>‹#›</a:t>
             </a:fld>
             <a:endParaRPr lang="de-DE"/>
           </a:p>
@@ -2377,7 +2443,7 @@
           <a:p>
             <a:fld id="{F0E51C7C-CEA3-4CAA-BE4B-344879E7C377}" type="datetimeFigureOut">
               <a:rPr lang="de-DE" smtClean="0"/>
-              <a:t>21.10.2020</a:t>
+              <a:t>06.11.2020</a:t>
             </a:fld>
             <a:endParaRPr lang="de-DE"/>
           </a:p>
@@ -2419,7 +2485,7 @@
           <a:p>
             <a:fld id="{754FE2FE-B55E-4328-8F5C-2CEB8781A47B}" type="slidenum">
               <a:rPr lang="de-DE" smtClean="0"/>
-              <a:t>‹nº›</a:t>
+              <a:t>‹#›</a:t>
             </a:fld>
             <a:endParaRPr lang="de-DE"/>
           </a:p>
@@ -2630,7 +2696,7 @@
           <a:p>
             <a:fld id="{F0E51C7C-CEA3-4CAA-BE4B-344879E7C377}" type="datetimeFigureOut">
               <a:rPr lang="de-DE" smtClean="0"/>
-              <a:t>21.10.2020</a:t>
+              <a:t>06.11.2020</a:t>
             </a:fld>
             <a:endParaRPr lang="de-DE"/>
           </a:p>
@@ -2672,7 +2738,7 @@
           <a:p>
             <a:fld id="{754FE2FE-B55E-4328-8F5C-2CEB8781A47B}" type="slidenum">
               <a:rPr lang="de-DE" smtClean="0"/>
-              <a:t>‹nº›</a:t>
+              <a:t>‹#›</a:t>
             </a:fld>
             <a:endParaRPr lang="de-DE"/>
           </a:p>
@@ -2843,7 +2909,7 @@
           <a:p>
             <a:fld id="{F0E51C7C-CEA3-4CAA-BE4B-344879E7C377}" type="datetimeFigureOut">
               <a:rPr lang="de-DE" smtClean="0"/>
-              <a:t>21.10.2020</a:t>
+              <a:t>06.11.2020</a:t>
             </a:fld>
             <a:endParaRPr lang="de-DE"/>
           </a:p>
@@ -2921,7 +2987,7 @@
           <a:p>
             <a:fld id="{754FE2FE-B55E-4328-8F5C-2CEB8781A47B}" type="slidenum">
               <a:rPr lang="de-DE" smtClean="0"/>
-              <a:t>‹nº›</a:t>
+              <a:t>‹#›</a:t>
             </a:fld>
             <a:endParaRPr lang="de-DE"/>
           </a:p>
@@ -3253,7 +3319,7 @@
           <p:cNvPr id="3" name="Imagem 3" descr="Diagrama, Esquemático&#10;&#10;Descrição gerada automaticamente">
             <a:extLst>
               <a:ext uri="{FF2B5EF4-FFF2-40B4-BE49-F238E27FC236}">
-                <a16:creationId xmlns:a16="http://schemas.microsoft.com/office/drawing/2014/main" id="{B605D275-311A-41D9-859D-5AC47216FA0F}"/>
+                <a16:creationId xmlns:a16="http://schemas.microsoft.com/office/drawing/2014/main" id="{74ED63E6-1E1B-4151-ABA2-DF47FD3BA0C6}"/>
               </a:ext>
             </a:extLst>
           </p:cNvPr>
@@ -3270,8 +3336,8 @@
         </p:blipFill>
         <p:spPr>
           <a:xfrm>
-            <a:off x="678133" y="114747"/>
-            <a:ext cx="10896599" cy="6596396"/>
+            <a:off x="554524" y="50922"/>
+            <a:ext cx="10562048" cy="6736471"/>
           </a:xfrm>
           <a:prstGeom prst="rect">
             <a:avLst/>
